--- a/Documents/Project PPT.pptx
+++ b/Documents/Project PPT.pptx
@@ -8227,7 +8227,7 @@
           <a:noFill/>
           <a:extLst>
             <a:ext uri="{909E8E84-426E-40dd-AFC4-6F175D3DCCD1}">
-              <a14:hiddenFill xmlns="" xmlns:a14="http://schemas.microsoft.com/office/drawing/2010/main">
+              <a14:hiddenFill xmlns:a14="http://schemas.microsoft.com/office/drawing/2010/main" xmlns="">
                 <a:solidFill>
                   <a:srgbClr val="FFFFFF"/>
                 </a:solidFill>
@@ -8268,7 +8268,7 @@
           <a:noFill/>
           <a:extLst>
             <a:ext uri="{909E8E84-426E-40dd-AFC4-6F175D3DCCD1}">
-              <a14:hiddenFill xmlns="" xmlns:a14="http://schemas.microsoft.com/office/drawing/2010/main">
+              <a14:hiddenFill xmlns:a14="http://schemas.microsoft.com/office/drawing/2010/main" xmlns="">
                 <a:solidFill>
                   <a:srgbClr val="FFFFFF"/>
                 </a:solidFill>
@@ -8309,7 +8309,7 @@
           <a:noFill/>
           <a:extLst>
             <a:ext uri="{909E8E84-426E-40dd-AFC4-6F175D3DCCD1}">
-              <a14:hiddenFill xmlns="" xmlns:a14="http://schemas.microsoft.com/office/drawing/2010/main">
+              <a14:hiddenFill xmlns:a14="http://schemas.microsoft.com/office/drawing/2010/main" xmlns="">
                 <a:solidFill>
                   <a:srgbClr val="FFFFFF"/>
                 </a:solidFill>
@@ -12318,14 +12318,14 @@
           </a:ln>
           <a:extLst>
             <a:ext uri="{909E8E84-426E-40dd-AFC4-6F175D3DCCD1}">
-              <a14:hiddenFill xmlns="" xmlns:a14="http://schemas.microsoft.com/office/drawing/2010/main">
+              <a14:hiddenFill xmlns:a14="http://schemas.microsoft.com/office/drawing/2010/main" xmlns="">
                 <a:solidFill>
                   <a:srgbClr val="FFFFFF"/>
                 </a:solidFill>
               </a14:hiddenFill>
             </a:ext>
             <a:ext uri="{91240B29-F687-4f45-9708-019B960494DF}">
-              <a14:hiddenLine xmlns="" xmlns:a14="http://schemas.microsoft.com/office/drawing/2010/main" w="9525">
+              <a14:hiddenLine xmlns:a14="http://schemas.microsoft.com/office/drawing/2010/main" xmlns="" w="9525">
                 <a:solidFill>
                   <a:srgbClr val="000000"/>
                 </a:solidFill>
@@ -12562,14 +12562,14 @@
           </a:ln>
           <a:extLst>
             <a:ext uri="{909E8E84-426E-40dd-AFC4-6F175D3DCCD1}">
-              <a14:hiddenFill xmlns="" xmlns:a14="http://schemas.microsoft.com/office/drawing/2010/main">
+              <a14:hiddenFill xmlns:a14="http://schemas.microsoft.com/office/drawing/2010/main" xmlns="">
                 <a:solidFill>
                   <a:srgbClr val="FFFFFF"/>
                 </a:solidFill>
               </a14:hiddenFill>
             </a:ext>
             <a:ext uri="{91240B29-F687-4f45-9708-019B960494DF}">
-              <a14:hiddenLine xmlns="" xmlns:a14="http://schemas.microsoft.com/office/drawing/2010/main" w="9525">
+              <a14:hiddenLine xmlns:a14="http://schemas.microsoft.com/office/drawing/2010/main" xmlns="" w="9525">
                 <a:solidFill>
                   <a:srgbClr val="000000"/>
                 </a:solidFill>
@@ -12736,14 +12736,14 @@
           </a:ln>
           <a:extLst>
             <a:ext uri="{909E8E84-426E-40dd-AFC4-6F175D3DCCD1}">
-              <a14:hiddenFill xmlns="" xmlns:a14="http://schemas.microsoft.com/office/drawing/2010/main">
+              <a14:hiddenFill xmlns:a14="http://schemas.microsoft.com/office/drawing/2010/main" xmlns="">
                 <a:solidFill>
                   <a:srgbClr val="FFFFFF"/>
                 </a:solidFill>
               </a14:hiddenFill>
             </a:ext>
             <a:ext uri="{91240B29-F687-4f45-9708-019B960494DF}">
-              <a14:hiddenLine xmlns="" xmlns:a14="http://schemas.microsoft.com/office/drawing/2010/main" w="9525">
+              <a14:hiddenLine xmlns:a14="http://schemas.microsoft.com/office/drawing/2010/main" xmlns="" w="9525">
                 <a:solidFill>
                   <a:srgbClr val="000000"/>
                 </a:solidFill>
@@ -14527,24 +14527,28 @@
           </a:bodyPr>
           <a:lstStyle/>
           <a:p>
+            <a:pPr algn="just"/>
             <a:r>
               <a:rPr lang="en-US" dirty="0"/>
-              <a:t>This project is a web based shopping system for an existing shop. The project objective is to deliver the online shopping application into android platform. </a:t>
-            </a:r>
-          </a:p>
-          <a:p>
+              <a:t>This project is a web based shopping system for an existing shop. The project objective is to deliver the online shopping application into cross platform. </a:t>
+            </a:r>
+          </a:p>
+          <a:p>
+            <a:pPr algn="just"/>
             <a:r>
               <a:rPr lang="en-US" dirty="0"/>
               <a:t>Online shopping is the process whereby consumers directly buy goods or services from a seller in real-time, without an intermediary service, over the Internet. It is a form of electronic commerce. </a:t>
             </a:r>
           </a:p>
           <a:p>
+            <a:pPr algn="just"/>
             <a:r>
               <a:rPr lang="en-US" dirty="0"/>
               <a:t>This project is an attempt to provide the advantages of online shopping to customers of a real shop. It helps buying the products in the shop anywhere through internet by using an android device. </a:t>
             </a:r>
           </a:p>
           <a:p>
+            <a:pPr algn="just"/>
             <a:r>
               <a:rPr lang="en-US" dirty="0"/>
               <a:t>Thus the customer will get the service of online shopping and home delivery from his favorite shop</a:t>
@@ -14655,15 +14659,18 @@
           <a:bodyPr/>
           <a:lstStyle/>
           <a:p>
+            <a:pPr algn="just"/>
             <a:r>
               <a:rPr lang="en-US" dirty="0"/>
               <a:t>This system can be implemented to any shop in the locality or to multinational branded shops having retail outlet chains. The system recommends a facility to accept the orders 24*7 and a home delivery system which can make customers happy.</a:t>
             </a:r>
           </a:p>
           <a:p>
+            <a:pPr algn="just"/>
             <a:endParaRPr lang="en-US" dirty="0"/>
           </a:p>
           <a:p>
+            <a:pPr algn="just"/>
             <a:r>
               <a:rPr lang="en-US" dirty="0"/>
               <a:t> If shops are providing an online portal where their customers can enjoy easy shopping from anywhere, the shops won’t be losing any more customers to the trending online shops such as </a:t>
@@ -15309,8 +15316,8 @@
         </p:blipFill>
         <p:spPr>
           <a:xfrm>
-            <a:off x="4910470" y="1881530"/>
-            <a:ext cx="3268531" cy="2645364"/>
+            <a:off x="4910470" y="1881529"/>
+            <a:ext cx="3268531" cy="4178611"/>
           </a:xfrm>
         </p:spPr>
       </p:pic>
@@ -15373,7 +15380,7 @@
         <p:spPr>
           <a:xfrm>
             <a:off x="8803984" y="1881530"/>
-            <a:ext cx="2743200" cy="2645364"/>
+            <a:ext cx="2743200" cy="4178610"/>
           </a:xfrm>
           <a:prstGeom prst="rect">
             <a:avLst/>
@@ -15409,7 +15416,7 @@
         <p:spPr>
           <a:xfrm>
             <a:off x="1016955" y="1925683"/>
-            <a:ext cx="3268532" cy="2557058"/>
+            <a:ext cx="3268532" cy="4134458"/>
           </a:xfrm>
           <a:prstGeom prst="rect">
             <a:avLst/>
@@ -15426,15 +15433,16 @@
             </a:extLst>
           </p:cNvPr>
           <p:cNvCxnSpPr>
+            <a:cxnSpLocks/>
             <a:stCxn id="10" idx="3"/>
             <a:endCxn id="6" idx="1"/>
           </p:cNvCxnSpPr>
           <p:nvPr/>
         </p:nvCxnSpPr>
         <p:spPr>
-          <a:xfrm>
-            <a:off x="4285486" y="3204212"/>
-            <a:ext cx="612000" cy="0"/>
+          <a:xfrm flipV="1">
+            <a:off x="4285487" y="3970835"/>
+            <a:ext cx="624983" cy="22077"/>
           </a:xfrm>
           <a:prstGeom prst="straightConnector1">
             <a:avLst/>
@@ -15468,6 +15476,7 @@
             </a:extLst>
           </p:cNvPr>
           <p:cNvCxnSpPr>
+            <a:cxnSpLocks/>
             <a:stCxn id="6" idx="3"/>
             <a:endCxn id="8" idx="1"/>
           </p:cNvCxnSpPr>
@@ -15475,7 +15484,7 @@
         </p:nvCxnSpPr>
         <p:spPr>
           <a:xfrm>
-            <a:off x="8179001" y="3204212"/>
+            <a:off x="8179001" y="3970835"/>
             <a:ext cx="624983" cy="0"/>
           </a:xfrm>
           <a:prstGeom prst="straightConnector1">
